--- a/tutorials/images/first2.pptx
+++ b/tutorials/images/first2.pptx
@@ -288,7 +288,7 @@
           <a:p>
             <a:fld id="{82A31E94-7198-422F-BA39-868F79E82ACF}" type="datetimeFigureOut">
               <a:rPr lang="zh-CN" altLang="en-US" smtClean="0"/>
-              <a:t>2018-01-09</a:t>
+              <a:t>2018/1/9</a:t>
             </a:fld>
             <a:endParaRPr lang="zh-CN" altLang="en-US"/>
           </a:p>
@@ -458,7 +458,7 @@
           <a:p>
             <a:fld id="{82A31E94-7198-422F-BA39-868F79E82ACF}" type="datetimeFigureOut">
               <a:rPr lang="zh-CN" altLang="en-US" smtClean="0"/>
-              <a:t>2018-01-09</a:t>
+              <a:t>2018/1/9</a:t>
             </a:fld>
             <a:endParaRPr lang="zh-CN" altLang="en-US"/>
           </a:p>
@@ -638,7 +638,7 @@
           <a:p>
             <a:fld id="{82A31E94-7198-422F-BA39-868F79E82ACF}" type="datetimeFigureOut">
               <a:rPr lang="zh-CN" altLang="en-US" smtClean="0"/>
-              <a:t>2018-01-09</a:t>
+              <a:t>2018/1/9</a:t>
             </a:fld>
             <a:endParaRPr lang="zh-CN" altLang="en-US"/>
           </a:p>
@@ -808,7 +808,7 @@
           <a:p>
             <a:fld id="{82A31E94-7198-422F-BA39-868F79E82ACF}" type="datetimeFigureOut">
               <a:rPr lang="zh-CN" altLang="en-US" smtClean="0"/>
-              <a:t>2018-01-09</a:t>
+              <a:t>2018/1/9</a:t>
             </a:fld>
             <a:endParaRPr lang="zh-CN" altLang="en-US"/>
           </a:p>
@@ -1054,7 +1054,7 @@
           <a:p>
             <a:fld id="{82A31E94-7198-422F-BA39-868F79E82ACF}" type="datetimeFigureOut">
               <a:rPr lang="zh-CN" altLang="en-US" smtClean="0"/>
-              <a:t>2018-01-09</a:t>
+              <a:t>2018/1/9</a:t>
             </a:fld>
             <a:endParaRPr lang="zh-CN" altLang="en-US"/>
           </a:p>
@@ -1342,7 +1342,7 @@
           <a:p>
             <a:fld id="{82A31E94-7198-422F-BA39-868F79E82ACF}" type="datetimeFigureOut">
               <a:rPr lang="zh-CN" altLang="en-US" smtClean="0"/>
-              <a:t>2018-01-09</a:t>
+              <a:t>2018/1/9</a:t>
             </a:fld>
             <a:endParaRPr lang="zh-CN" altLang="en-US"/>
           </a:p>
@@ -1764,7 +1764,7 @@
           <a:p>
             <a:fld id="{82A31E94-7198-422F-BA39-868F79E82ACF}" type="datetimeFigureOut">
               <a:rPr lang="zh-CN" altLang="en-US" smtClean="0"/>
-              <a:t>2018-01-09</a:t>
+              <a:t>2018/1/9</a:t>
             </a:fld>
             <a:endParaRPr lang="zh-CN" altLang="en-US"/>
           </a:p>
@@ -1882,7 +1882,7 @@
           <a:p>
             <a:fld id="{82A31E94-7198-422F-BA39-868F79E82ACF}" type="datetimeFigureOut">
               <a:rPr lang="zh-CN" altLang="en-US" smtClean="0"/>
-              <a:t>2018-01-09</a:t>
+              <a:t>2018/1/9</a:t>
             </a:fld>
             <a:endParaRPr lang="zh-CN" altLang="en-US"/>
           </a:p>
@@ -1977,7 +1977,7 @@
           <a:p>
             <a:fld id="{82A31E94-7198-422F-BA39-868F79E82ACF}" type="datetimeFigureOut">
               <a:rPr lang="zh-CN" altLang="en-US" smtClean="0"/>
-              <a:t>2018-01-09</a:t>
+              <a:t>2018/1/9</a:t>
             </a:fld>
             <a:endParaRPr lang="zh-CN" altLang="en-US"/>
           </a:p>
@@ -2254,7 +2254,7 @@
           <a:p>
             <a:fld id="{82A31E94-7198-422F-BA39-868F79E82ACF}" type="datetimeFigureOut">
               <a:rPr lang="zh-CN" altLang="en-US" smtClean="0"/>
-              <a:t>2018-01-09</a:t>
+              <a:t>2018/1/9</a:t>
             </a:fld>
             <a:endParaRPr lang="zh-CN" altLang="en-US"/>
           </a:p>
@@ -2507,7 +2507,7 @@
           <a:p>
             <a:fld id="{82A31E94-7198-422F-BA39-868F79E82ACF}" type="datetimeFigureOut">
               <a:rPr lang="zh-CN" altLang="en-US" smtClean="0"/>
-              <a:t>2018-01-09</a:t>
+              <a:t>2018/1/9</a:t>
             </a:fld>
             <a:endParaRPr lang="zh-CN" altLang="en-US"/>
           </a:p>
@@ -2720,7 +2720,7 @@
           <a:p>
             <a:fld id="{82A31E94-7198-422F-BA39-868F79E82ACF}" type="datetimeFigureOut">
               <a:rPr lang="zh-CN" altLang="en-US" smtClean="0"/>
-              <a:t>2018-01-09</a:t>
+              <a:t>2018/1/9</a:t>
             </a:fld>
             <a:endParaRPr lang="zh-CN" altLang="en-US"/>
           </a:p>
@@ -3097,7 +3097,7 @@
       </p:grpSpPr>
       <p:pic>
         <p:nvPicPr>
-          <p:cNvPr id="1026" name="Picture 2" descr="D:\github\Datist\tutorials\images\first_02.png"/>
+          <p:cNvPr id="1027" name="Picture 3" descr="D:\github\Datist\tutorials\images\first_03.png"/>
           <p:cNvPicPr>
             <a:picLocks noChangeAspect="1" noChangeArrowheads="1"/>
           </p:cNvPicPr>
@@ -3118,48 +3118,7 @@
         </p:blipFill>
         <p:spPr bwMode="auto">
           <a:xfrm>
-            <a:off x="739478" y="773237"/>
-            <a:ext cx="695325" cy="790575"/>
-          </a:xfrm>
-          <a:prstGeom prst="rect">
-            <a:avLst/>
-          </a:prstGeom>
-          <a:noFill/>
-          <a:extLst>
-            <a:ext uri="{909E8E84-426E-40DD-AFC4-6F175D3DCCD1}">
-              <a14:hiddenFill xmlns:a14="http://schemas.microsoft.com/office/drawing/2010/main">
-                <a:solidFill>
-                  <a:srgbClr val="FFFFFF"/>
-                </a:solidFill>
-              </a14:hiddenFill>
-            </a:ext>
-          </a:extLst>
-        </p:spPr>
-      </p:pic>
-      <p:pic>
-        <p:nvPicPr>
-          <p:cNvPr id="1027" name="Picture 3" descr="D:\github\Datist\tutorials\images\first_03.png"/>
-          <p:cNvPicPr>
-            <a:picLocks noChangeAspect="1" noChangeArrowheads="1"/>
-          </p:cNvPicPr>
-          <p:nvPr/>
-        </p:nvPicPr>
-        <p:blipFill>
-          <a:blip r:embed="rId3">
-            <a:extLst>
-              <a:ext uri="{28A0092B-C50C-407E-A947-70E740481C1C}">
-                <a14:useLocalDpi xmlns:a14="http://schemas.microsoft.com/office/drawing/2010/main" val="0"/>
-              </a:ext>
-            </a:extLst>
-          </a:blip>
-          <a:srcRect/>
-          <a:stretch>
-            <a:fillRect/>
-          </a:stretch>
-        </p:blipFill>
-        <p:spPr bwMode="auto">
-          <a:xfrm>
-            <a:off x="753765" y="1667636"/>
+            <a:off x="753765" y="1676370"/>
             <a:ext cx="666750" cy="714375"/>
           </a:xfrm>
           <a:prstGeom prst="rect">
@@ -3186,7 +3145,7 @@
           <p:nvPr/>
         </p:nvPicPr>
         <p:blipFill>
-          <a:blip r:embed="rId4">
+          <a:blip r:embed="rId3">
             <a:extLst>
               <a:ext uri="{28A0092B-C50C-407E-A947-70E740481C1C}">
                 <a14:useLocalDpi xmlns:a14="http://schemas.microsoft.com/office/drawing/2010/main" val="0"/>
@@ -3200,7 +3159,7 @@
         </p:blipFill>
         <p:spPr bwMode="auto">
           <a:xfrm>
-            <a:off x="763290" y="2485835"/>
+            <a:off x="763290" y="2490202"/>
             <a:ext cx="647700" cy="695325"/>
           </a:xfrm>
           <a:prstGeom prst="rect">
@@ -3227,7 +3186,7 @@
           <p:nvPr/>
         </p:nvPicPr>
         <p:blipFill>
-          <a:blip r:embed="rId5">
+          <a:blip r:embed="rId4">
             <a:extLst>
               <a:ext uri="{28A0092B-C50C-407E-A947-70E740481C1C}">
                 <a14:useLocalDpi xmlns:a14="http://schemas.microsoft.com/office/drawing/2010/main" val="0"/>
@@ -3267,7 +3226,7 @@
         </p:nvSpPr>
         <p:spPr>
           <a:xfrm>
-            <a:off x="1547664" y="960983"/>
+            <a:off x="1547664" y="1095733"/>
             <a:ext cx="4572000" cy="276999"/>
           </a:xfrm>
           <a:prstGeom prst="rect">
@@ -3282,14 +3241,12 @@
           <a:p>
             <a:r>
               <a:rPr lang="zh-CN" altLang="en-US" sz="1200" dirty="0" smtClean="0">
-                <a:latin typeface="黑体" pitchFamily="49" charset="-122"/>
-                <a:ea typeface="黑体" pitchFamily="49" charset="-122"/>
+                <a:latin typeface="+mn-ea"/>
               </a:rPr>
-              <a:t>表格节点，设置此节点后可以读取数据源中的数据。</a:t>
+              <a:t>文本节点，设置此节点后可以读取数据源中的数据。</a:t>
             </a:r>
             <a:endParaRPr lang="zh-CN" altLang="en-US" sz="1200" dirty="0">
-              <a:latin typeface="黑体" pitchFamily="49" charset="-122"/>
-              <a:ea typeface="黑体" pitchFamily="49" charset="-122"/>
+              <a:latin typeface="+mn-ea"/>
             </a:endParaRPr>
           </a:p>
         </p:txBody>
@@ -3317,14 +3274,36 @@
           <a:p>
             <a:r>
               <a:rPr lang="zh-CN" altLang="en-US" sz="1200" dirty="0" smtClean="0">
-                <a:latin typeface="黑体" pitchFamily="49" charset="-122"/>
-                <a:ea typeface="黑体" pitchFamily="49" charset="-122"/>
+                <a:latin typeface="+mn-ea"/>
               </a:rPr>
-              <a:t>新列节点，用于向数据集中添加计算的新字段。 </a:t>
+              <a:t>新列节点，用于向数据集中</a:t>
+            </a:r>
+            <a:r>
+              <a:rPr lang="zh-CN" altLang="en-US" sz="1200" dirty="0" smtClean="0">
+                <a:latin typeface="+mn-ea"/>
+              </a:rPr>
+              <a:t>添加</a:t>
+            </a:r>
+            <a:r>
+              <a:rPr lang="zh-CN" altLang="en-US" sz="1200" dirty="0" smtClean="0">
+                <a:latin typeface="+mn-ea"/>
+              </a:rPr>
+              <a:t>用于</a:t>
+            </a:r>
+            <a:r>
+              <a:rPr lang="zh-CN" altLang="en-US" sz="1200" dirty="0" smtClean="0">
+                <a:latin typeface="+mn-ea"/>
+              </a:rPr>
+              <a:t>计算</a:t>
+            </a:r>
+            <a:r>
+              <a:rPr lang="zh-CN" altLang="en-US" sz="1200" dirty="0" smtClean="0">
+                <a:latin typeface="+mn-ea"/>
+              </a:rPr>
+              <a:t>的新字段。 </a:t>
             </a:r>
             <a:endParaRPr lang="zh-CN" altLang="en-US" sz="1200" dirty="0">
-              <a:latin typeface="黑体" pitchFamily="49" charset="-122"/>
-              <a:ea typeface="黑体" pitchFamily="49" charset="-122"/>
+              <a:latin typeface="+mn-ea"/>
             </a:endParaRPr>
           </a:p>
         </p:txBody>
@@ -3352,14 +3331,36 @@
           <a:p>
             <a:r>
               <a:rPr lang="zh-CN" altLang="en-US" sz="1200" dirty="0" smtClean="0">
-                <a:latin typeface="黑体" pitchFamily="49" charset="-122"/>
-                <a:ea typeface="黑体" pitchFamily="49" charset="-122"/>
+                <a:latin typeface="+mn-ea"/>
               </a:rPr>
-              <a:t>筛选节点，用于设置选择标准，以从数据流中排除某些记录。</a:t>
+              <a:t>筛选节点，用于设置</a:t>
+            </a:r>
+            <a:r>
+              <a:rPr lang="zh-CN" altLang="en-US" sz="1200" dirty="0" smtClean="0">
+                <a:latin typeface="+mn-ea"/>
+              </a:rPr>
+              <a:t>选择条件，从</a:t>
+            </a:r>
+            <a:r>
+              <a:rPr lang="zh-CN" altLang="en-US" sz="1200" dirty="0" smtClean="0">
+                <a:latin typeface="+mn-ea"/>
+              </a:rPr>
+              <a:t>数据流</a:t>
+            </a:r>
+            <a:r>
+              <a:rPr lang="zh-CN" altLang="en-US" sz="1200" dirty="0" smtClean="0">
+                <a:latin typeface="+mn-ea"/>
+              </a:rPr>
+              <a:t>中筛选出某些</a:t>
+            </a:r>
+            <a:r>
+              <a:rPr lang="zh-CN" altLang="en-US" sz="1200" dirty="0" smtClean="0">
+                <a:latin typeface="+mn-ea"/>
+              </a:rPr>
+              <a:t>记录。</a:t>
             </a:r>
             <a:endParaRPr lang="zh-CN" altLang="en-US" sz="1200" dirty="0">
-              <a:latin typeface="黑体" pitchFamily="49" charset="-122"/>
-              <a:ea typeface="黑体" pitchFamily="49" charset="-122"/>
+              <a:latin typeface="+mn-ea"/>
             </a:endParaRPr>
           </a:p>
         </p:txBody>
@@ -3387,18 +3388,80 @@
           <a:p>
             <a:r>
               <a:rPr lang="zh-CN" altLang="en-US" sz="1200" dirty="0" smtClean="0">
-                <a:latin typeface="黑体" pitchFamily="49" charset="-122"/>
-                <a:ea typeface="黑体" pitchFamily="49" charset="-122"/>
+                <a:latin typeface="+mn-ea"/>
               </a:rPr>
               <a:t>浏览数据节点，用于在屏幕上显示操作结果。 </a:t>
             </a:r>
             <a:endParaRPr lang="zh-CN" altLang="en-US" sz="1200" dirty="0">
-              <a:latin typeface="黑体" pitchFamily="49" charset="-122"/>
-              <a:ea typeface="黑体" pitchFamily="49" charset="-122"/>
+              <a:latin typeface="+mn-ea"/>
             </a:endParaRPr>
           </a:p>
         </p:txBody>
       </p:sp>
+      <p:pic>
+        <p:nvPicPr>
+          <p:cNvPr id="2" name="Picture 2"/>
+          <p:cNvPicPr>
+            <a:picLocks noChangeAspect="1" noChangeArrowheads="1"/>
+          </p:cNvPicPr>
+          <p:nvPr/>
+        </p:nvPicPr>
+        <p:blipFill>
+          <a:blip r:embed="rId5">
+            <a:extLst>
+              <a:ext uri="{28A0092B-C50C-407E-A947-70E740481C1C}">
+                <a14:useLocalDpi xmlns:a14="http://schemas.microsoft.com/office/drawing/2010/main" val="0"/>
+              </a:ext>
+            </a:extLst>
+          </a:blip>
+          <a:srcRect/>
+          <a:stretch>
+            <a:fillRect/>
+          </a:stretch>
+        </p:blipFill>
+        <p:spPr bwMode="auto">
+          <a:xfrm>
+            <a:off x="811193" y="899050"/>
+            <a:ext cx="549275" cy="677863"/>
+          </a:xfrm>
+          <a:prstGeom prst="rect">
+            <a:avLst/>
+          </a:prstGeom>
+          <a:noFill/>
+          <a:ln>
+            <a:noFill/>
+          </a:ln>
+          <a:effectLst/>
+          <a:extLst>
+            <a:ext uri="{909E8E84-426E-40DD-AFC4-6F175D3DCCD1}">
+              <a14:hiddenFill xmlns:a14="http://schemas.microsoft.com/office/drawing/2010/main">
+                <a:solidFill>
+                  <a:schemeClr val="accent1"/>
+                </a:solidFill>
+              </a14:hiddenFill>
+            </a:ext>
+            <a:ext uri="{91240B29-F687-4F45-9708-019B960494DF}">
+              <a14:hiddenLine xmlns:a14="http://schemas.microsoft.com/office/drawing/2010/main" w="9525">
+                <a:solidFill>
+                  <a:schemeClr val="tx1"/>
+                </a:solidFill>
+                <a:miter lim="800000"/>
+                <a:headEnd/>
+                <a:tailEnd/>
+              </a14:hiddenLine>
+            </a:ext>
+            <a:ext uri="{AF507438-7753-43E0-B8FC-AC1667EBCBE1}">
+              <a14:hiddenEffects xmlns:a14="http://schemas.microsoft.com/office/drawing/2010/main">
+                <a:effectLst>
+                  <a:outerShdw dist="35921" dir="2700000" algn="ctr" rotWithShape="0">
+                    <a:schemeClr val="bg2"/>
+                  </a:outerShdw>
+                </a:effectLst>
+              </a14:hiddenEffects>
+            </a:ext>
+          </a:extLst>
+        </p:spPr>
+      </p:pic>
     </p:spTree>
     <p:extLst>
       <p:ext uri="{BB962C8B-B14F-4D97-AF65-F5344CB8AC3E}">
